--- a/projeto/apresentacao_senapa.pptx
+++ b/projeto/apresentacao_senapa.pptx
@@ -5536,29 +5536,16 @@
             <a:pPr lvl="1"/>
             <a:r>
               <a:rPr lang="pt-BR" dirty="0" smtClean="0"/>
-              <a:t>Busca, a partir de símbolos computacionais, construir mecanismos que simulem a capacidade (inteligência) do ser </a:t>
-            </a:r>
-            <a:r>
-              <a:rPr lang="pt-BR" dirty="0" smtClean="0"/>
-              <a:t>humano </a:t>
+              <a:t>Busca, a partir de símbolos computacionais, construir mecanismos que simulem a capacidade (inteligência) do ser humano </a:t>
             </a:r>
             <a:r>
               <a:rPr lang="pt-BR" sz="1800" dirty="0" smtClean="0"/>
-              <a:t>(</a:t>
-            </a:r>
-            <a:r>
-              <a:rPr lang="pt-BR" sz="1800" dirty="0" smtClean="0"/>
-              <a:t>SILVA,2009</a:t>
-            </a:r>
-            <a:r>
-              <a:rPr lang="pt-BR" sz="1800" dirty="0" smtClean="0"/>
-              <a:t>)</a:t>
+              <a:t>(SILVA,2009)</a:t>
             </a:r>
             <a:r>
               <a:rPr lang="pt-BR" dirty="0" smtClean="0"/>
               <a:t>;</a:t>
             </a:r>
-            <a:endParaRPr lang="pt-BR" dirty="0" smtClean="0"/>
           </a:p>
           <a:p>
             <a:pPr lvl="1"/>
@@ -5575,35 +5562,11 @@
             <a:pPr lvl="2"/>
             <a:r>
               <a:rPr lang="pt-BR" dirty="0" smtClean="0"/>
-              <a:t>Programas </a:t>
-            </a:r>
-            <a:r>
-              <a:rPr lang="pt-BR" dirty="0" smtClean="0"/>
-              <a:t>que imitam o comportamento de especialistas humanos. </a:t>
-            </a:r>
-            <a:r>
-              <a:rPr lang="pt-BR" dirty="0" smtClean="0"/>
-              <a:t>Usam </a:t>
-            </a:r>
-            <a:r>
-              <a:rPr lang="pt-BR" dirty="0" smtClean="0"/>
-              <a:t>informação que o usuário oferece para emitir uma opinião sobre um certo assunto. Assim, um sistema especialista faz perguntas até que possa identificar algo que o leve a </a:t>
-            </a:r>
-            <a:r>
-              <a:rPr lang="pt-BR" dirty="0" smtClean="0"/>
-              <a:t>respostas </a:t>
+              <a:t>Programas que imitam o comportamento de especialistas humanos. Usam informação que o usuário oferece para emitir uma opinião sobre um certo assunto. Assim, um sistema especialista faz perguntas até que possa identificar algo que o leve a respostas </a:t>
             </a:r>
             <a:r>
               <a:rPr lang="pt-BR" sz="1800" dirty="0" smtClean="0"/>
-              <a:t>(SCHILDT,1989</a:t>
-            </a:r>
-            <a:r>
-              <a:rPr lang="pt-BR" sz="1800" dirty="0" smtClean="0"/>
-              <a:t>, p. </a:t>
-            </a:r>
-            <a:r>
-              <a:rPr lang="pt-BR" sz="1800" dirty="0" smtClean="0"/>
-              <a:t>59)</a:t>
+              <a:t>(SCHILDT,1989, p. 59)</a:t>
             </a:r>
             <a:r>
               <a:rPr lang="pt-BR" dirty="0" smtClean="0"/>
@@ -5754,11 +5717,7 @@
           <a:p>
             <a:r>
               <a:rPr lang="pt-BR" dirty="0" smtClean="0"/>
-              <a:t>Sistema Especialista de Nivelamento e Auxílio ao Processo Avaliativo (SENAPA</a:t>
-            </a:r>
-            <a:r>
-              <a:rPr lang="pt-BR" dirty="0" smtClean="0"/>
-              <a:t>);</a:t>
+              <a:t>Sistema Especialista de Nivelamento e Auxílio ao Processo Avaliativo (SENAPA);</a:t>
             </a:r>
           </a:p>
           <a:p>
@@ -5769,39 +5728,26 @@
               <a:rPr lang="pt-BR" dirty="0" smtClean="0"/>
               <a:t>O sistema proposto se destina a proporcionar:</a:t>
             </a:r>
-            <a:endParaRPr lang="pt-BR" dirty="0" smtClean="0"/>
           </a:p>
           <a:p>
             <a:pPr lvl="1"/>
             <a:r>
               <a:rPr lang="pt-BR" dirty="0" smtClean="0"/>
-              <a:t>o</a:t>
-            </a:r>
+              <a:t>o cadastro de questões e avaliações;</a:t>
+            </a:r>
+          </a:p>
+          <a:p>
+            <a:pPr lvl="1"/>
             <a:r>
               <a:rPr lang="pt-BR" dirty="0" smtClean="0"/>
-              <a:t> cadastro de questões e avaliações;</a:t>
+              <a:t>a aplicação das avaliações e</a:t>
             </a:r>
           </a:p>
           <a:p>
             <a:pPr lvl="1"/>
             <a:r>
               <a:rPr lang="pt-BR" dirty="0" smtClean="0"/>
-              <a:t>a</a:t>
-            </a:r>
-            <a:r>
-              <a:rPr lang="pt-BR" dirty="0" smtClean="0"/>
-              <a:t> aplicação das avaliações e</a:t>
-            </a:r>
-          </a:p>
-          <a:p>
-            <a:pPr lvl="1"/>
-            <a:r>
-              <a:rPr lang="pt-BR" dirty="0" smtClean="0"/>
-              <a:t>g</a:t>
-            </a:r>
-            <a:r>
-              <a:rPr lang="pt-BR" dirty="0" smtClean="0"/>
-              <a:t>erar sugestão do grau de dificuldade das questões e avaliações;</a:t>
+              <a:t>gerar sugestão do grau de dificuldade das questões e avaliações;</a:t>
             </a:r>
           </a:p>
         </p:txBody>
@@ -5972,11 +5918,7 @@
           <a:p>
             <a:r>
               <a:rPr lang="pt-BR" dirty="0" smtClean="0"/>
-              <a:t>Análise do </a:t>
-            </a:r>
-            <a:r>
-              <a:rPr lang="pt-BR" dirty="0" smtClean="0"/>
-              <a:t>Sistema </a:t>
+              <a:t>Análise do Sistema </a:t>
             </a:r>
             <a:r>
               <a:rPr lang="pt-BR" sz="2400" dirty="0" smtClean="0"/>
@@ -6155,11 +6097,7 @@
           <a:p>
             <a:r>
               <a:rPr lang="pt-BR" dirty="0" smtClean="0"/>
-              <a:t>Análise do </a:t>
-            </a:r>
-            <a:r>
-              <a:rPr lang="pt-BR" dirty="0" smtClean="0"/>
-              <a:t>Sistema </a:t>
+              <a:t>Análise do Sistema </a:t>
             </a:r>
             <a:r>
               <a:rPr lang="pt-BR" sz="2400" dirty="0" smtClean="0"/>
@@ -6344,11 +6282,7 @@
           <a:p>
             <a:r>
               <a:rPr lang="pt-BR" dirty="0" smtClean="0"/>
-              <a:t>Análise do </a:t>
-            </a:r>
-            <a:r>
-              <a:rPr lang="pt-BR" dirty="0" smtClean="0"/>
-              <a:t>Sistema </a:t>
+              <a:t>Análise do Sistema </a:t>
             </a:r>
             <a:r>
               <a:rPr lang="pt-BR" sz="2400" dirty="0" smtClean="0"/>
@@ -6556,11 +6490,7 @@
           <a:p>
             <a:r>
               <a:rPr lang="pt-BR" dirty="0" smtClean="0"/>
-              <a:t>Análise do </a:t>
-            </a:r>
-            <a:r>
-              <a:rPr lang="pt-BR" dirty="0" smtClean="0"/>
-              <a:t>Sistema </a:t>
+              <a:t>Análise do Sistema </a:t>
             </a:r>
             <a:r>
               <a:rPr lang="pt-BR" sz="2400" dirty="0" smtClean="0"/>
@@ -6709,11 +6639,7 @@
           <a:p>
             <a:r>
               <a:rPr lang="pt-BR" dirty="0" smtClean="0"/>
-              <a:t>Análise do </a:t>
-            </a:r>
-            <a:r>
-              <a:rPr lang="pt-BR" dirty="0" smtClean="0"/>
-              <a:t>Sistema </a:t>
+              <a:t>Análise do Sistema </a:t>
             </a:r>
             <a:r>
               <a:rPr lang="pt-BR" sz="2400" dirty="0" smtClean="0"/>
@@ -10821,11 +10747,7 @@
           <a:p>
             <a:r>
               <a:rPr lang="pt-BR" dirty="0" smtClean="0"/>
-              <a:t>Projeto do </a:t>
-            </a:r>
-            <a:r>
-              <a:rPr lang="pt-BR" dirty="0" smtClean="0"/>
-              <a:t>Sistema </a:t>
+              <a:t>Projeto do Sistema </a:t>
             </a:r>
             <a:r>
               <a:rPr lang="pt-BR" sz="2400" dirty="0" smtClean="0"/>
@@ -11150,11 +11072,7 @@
           <a:p>
             <a:r>
               <a:rPr lang="pt-BR" dirty="0" smtClean="0"/>
-              <a:t>Projeto do </a:t>
-            </a:r>
-            <a:r>
-              <a:rPr lang="pt-BR" dirty="0" smtClean="0"/>
-              <a:t>Sistema </a:t>
+              <a:t>Projeto do Sistema </a:t>
             </a:r>
             <a:r>
               <a:rPr lang="pt-BR" sz="2400" dirty="0" smtClean="0"/>
@@ -11305,11 +11223,7 @@
           <a:p>
             <a:r>
               <a:rPr lang="pt-BR" dirty="0" smtClean="0"/>
-              <a:t>Projeto do </a:t>
-            </a:r>
-            <a:r>
-              <a:rPr lang="pt-BR" dirty="0" smtClean="0"/>
-              <a:t>Sistema </a:t>
+              <a:t>Projeto do Sistema </a:t>
             </a:r>
             <a:r>
               <a:rPr lang="pt-BR" sz="2400" dirty="0" smtClean="0"/>
@@ -11429,7 +11343,7 @@
         </p:spPr>
         <p:txBody>
           <a:bodyPr>
-            <a:normAutofit fontScale="85000" lnSpcReduction="20000"/>
+            <a:normAutofit/>
           </a:bodyPr>
           <a:lstStyle/>
           <a:p>
@@ -11477,7 +11391,13 @@
           <a:p>
             <a:r>
               <a:rPr lang="pt-BR" dirty="0" smtClean="0"/>
-              <a:t>Análise </a:t>
+              <a:t>Análise do Sistema;</a:t>
+            </a:r>
+          </a:p>
+          <a:p>
+            <a:r>
+              <a:rPr lang="pt-BR" dirty="0" smtClean="0"/>
+              <a:t>Projeto </a:t>
             </a:r>
             <a:r>
               <a:rPr lang="pt-BR" dirty="0" smtClean="0"/>
@@ -11485,54 +11405,16 @@
             </a:r>
             <a:r>
               <a:rPr lang="pt-BR" dirty="0" smtClean="0"/>
-              <a:t>Sistema;</a:t>
-            </a:r>
-          </a:p>
-          <a:p>
-            <a:r>
-              <a:rPr lang="pt-BR" dirty="0" smtClean="0"/>
-              <a:t>Trabalhos Correlatos</a:t>
-            </a:r>
-            <a:r>
-              <a:rPr lang="pt-BR" dirty="0" smtClean="0"/>
-              <a:t>;</a:t>
+              <a:t>Sistema e</a:t>
             </a:r>
             <a:endParaRPr lang="pt-BR" dirty="0" smtClean="0"/>
-          </a:p>
-          <a:p>
-            <a:r>
-              <a:rPr lang="pt-BR" dirty="0" smtClean="0"/>
-              <a:t>Projeto do Sistema;</a:t>
-            </a:r>
-          </a:p>
-          <a:p>
-            <a:r>
-              <a:rPr lang="pt-BR" dirty="0" smtClean="0"/>
-              <a:t>Tecnologias Utilizadas</a:t>
-            </a:r>
-            <a:r>
-              <a:rPr lang="pt-BR" dirty="0" smtClean="0"/>
-              <a:t>;</a:t>
-            </a:r>
-            <a:endParaRPr lang="pt-BR" dirty="0" smtClean="0"/>
-          </a:p>
-          <a:p>
-            <a:r>
-              <a:rPr lang="pt-BR" dirty="0" smtClean="0"/>
-              <a:t>Apresentação do protótipo;</a:t>
-            </a:r>
-          </a:p>
-          <a:p>
-            <a:r>
-              <a:rPr lang="pt-BR" dirty="0" smtClean="0"/>
-              <a:t>Perspectivas Futuras e </a:t>
-            </a:r>
           </a:p>
           <a:p>
             <a:r>
               <a:rPr lang="pt-BR" dirty="0" smtClean="0"/>
               <a:t>Conclusão</a:t>
             </a:r>
+            <a:endParaRPr lang="pt-BR" dirty="0" smtClean="0"/>
           </a:p>
           <a:p>
             <a:endParaRPr lang="pt-BR" dirty="0" smtClean="0"/>
@@ -11696,19 +11578,7 @@
             <a:pPr lvl="1"/>
             <a:r>
               <a:rPr lang="pt-BR" dirty="0" smtClean="0"/>
-              <a:t>Expandir o conhecimento pedagógico, da </a:t>
-            </a:r>
-            <a:r>
-              <a:rPr lang="pt-BR" dirty="0" smtClean="0"/>
-              <a:t>base de conhecimento, para </a:t>
-            </a:r>
-            <a:r>
-              <a:rPr lang="pt-BR" dirty="0" smtClean="0"/>
-              <a:t>uma melhor postura avaliativa </a:t>
-            </a:r>
-            <a:r>
-              <a:rPr lang="pt-BR" dirty="0" smtClean="0"/>
-              <a:t>educacional;</a:t>
+              <a:t>Expandir o conhecimento pedagógico, da base de conhecimento, para uma melhor postura avaliativa educacional;</a:t>
             </a:r>
           </a:p>
           <a:p>
@@ -11753,11 +11623,7 @@
           <a:p>
             <a:r>
               <a:rPr lang="pt-BR" dirty="0" smtClean="0"/>
-              <a:t>Projeto do </a:t>
-            </a:r>
-            <a:r>
-              <a:rPr lang="pt-BR" dirty="0" smtClean="0"/>
-              <a:t>Sistema </a:t>
+              <a:t>Projeto do Sistema </a:t>
             </a:r>
             <a:r>
               <a:rPr lang="pt-BR" sz="2400" dirty="0" smtClean="0"/>
@@ -12877,11 +12743,7 @@
           <a:p>
             <a:r>
               <a:rPr lang="pt-BR" dirty="0" smtClean="0"/>
-              <a:t>Sugerir o </a:t>
-            </a:r>
-            <a:r>
-              <a:rPr lang="pt-BR" dirty="0" smtClean="0"/>
-              <a:t>nível (grau de dificuldade) das questões e avaliações;</a:t>
+              <a:t>Sugerir o nível (grau de dificuldade) das questões e avaliações;</a:t>
             </a:r>
           </a:p>
           <a:p>
